--- a/mélyrepülés.pptx
+++ b/mélyrepülés.pptx
@@ -268,7 +268,7 @@
           <a:p>
             <a:fld id="{AF826B45-E5D7-4A7F-8B9E-415F7289FFB0}" type="datetimeFigureOut">
               <a:rPr lang="hu-HU" smtClean="0"/>
-              <a:t>2023. 12. 16.</a:t>
+              <a:t>2023. 12. 17.</a:t>
             </a:fld>
             <a:endParaRPr lang="hu-HU"/>
           </a:p>
@@ -466,7 +466,7 @@
           <a:p>
             <a:fld id="{AF826B45-E5D7-4A7F-8B9E-415F7289FFB0}" type="datetimeFigureOut">
               <a:rPr lang="hu-HU" smtClean="0"/>
-              <a:t>2023. 12. 16.</a:t>
+              <a:t>2023. 12. 17.</a:t>
             </a:fld>
             <a:endParaRPr lang="hu-HU"/>
           </a:p>
@@ -674,7 +674,7 @@
           <a:p>
             <a:fld id="{AF826B45-E5D7-4A7F-8B9E-415F7289FFB0}" type="datetimeFigureOut">
               <a:rPr lang="hu-HU" smtClean="0"/>
-              <a:t>2023. 12. 16.</a:t>
+              <a:t>2023. 12. 17.</a:t>
             </a:fld>
             <a:endParaRPr lang="hu-HU"/>
           </a:p>
@@ -872,7 +872,7 @@
           <a:p>
             <a:fld id="{AF826B45-E5D7-4A7F-8B9E-415F7289FFB0}" type="datetimeFigureOut">
               <a:rPr lang="hu-HU" smtClean="0"/>
-              <a:t>2023. 12. 16.</a:t>
+              <a:t>2023. 12. 17.</a:t>
             </a:fld>
             <a:endParaRPr lang="hu-HU"/>
           </a:p>
@@ -1147,7 +1147,7 @@
           <a:p>
             <a:fld id="{AF826B45-E5D7-4A7F-8B9E-415F7289FFB0}" type="datetimeFigureOut">
               <a:rPr lang="hu-HU" smtClean="0"/>
-              <a:t>2023. 12. 16.</a:t>
+              <a:t>2023. 12. 17.</a:t>
             </a:fld>
             <a:endParaRPr lang="hu-HU"/>
           </a:p>
@@ -1412,7 +1412,7 @@
           <a:p>
             <a:fld id="{AF826B45-E5D7-4A7F-8B9E-415F7289FFB0}" type="datetimeFigureOut">
               <a:rPr lang="hu-HU" smtClean="0"/>
-              <a:t>2023. 12. 16.</a:t>
+              <a:t>2023. 12. 17.</a:t>
             </a:fld>
             <a:endParaRPr lang="hu-HU"/>
           </a:p>
@@ -1824,7 +1824,7 @@
           <a:p>
             <a:fld id="{AF826B45-E5D7-4A7F-8B9E-415F7289FFB0}" type="datetimeFigureOut">
               <a:rPr lang="hu-HU" smtClean="0"/>
-              <a:t>2023. 12. 16.</a:t>
+              <a:t>2023. 12. 17.</a:t>
             </a:fld>
             <a:endParaRPr lang="hu-HU"/>
           </a:p>
@@ -1965,7 +1965,7 @@
           <a:p>
             <a:fld id="{AF826B45-E5D7-4A7F-8B9E-415F7289FFB0}" type="datetimeFigureOut">
               <a:rPr lang="hu-HU" smtClean="0"/>
-              <a:t>2023. 12. 16.</a:t>
+              <a:t>2023. 12. 17.</a:t>
             </a:fld>
             <a:endParaRPr lang="hu-HU"/>
           </a:p>
@@ -2078,7 +2078,7 @@
           <a:p>
             <a:fld id="{AF826B45-E5D7-4A7F-8B9E-415F7289FFB0}" type="datetimeFigureOut">
               <a:rPr lang="hu-HU" smtClean="0"/>
-              <a:t>2023. 12. 16.</a:t>
+              <a:t>2023. 12. 17.</a:t>
             </a:fld>
             <a:endParaRPr lang="hu-HU"/>
           </a:p>
@@ -2389,7 +2389,7 @@
           <a:p>
             <a:fld id="{AF826B45-E5D7-4A7F-8B9E-415F7289FFB0}" type="datetimeFigureOut">
               <a:rPr lang="hu-HU" smtClean="0"/>
-              <a:t>2023. 12. 16.</a:t>
+              <a:t>2023. 12. 17.</a:t>
             </a:fld>
             <a:endParaRPr lang="hu-HU"/>
           </a:p>
@@ -2677,7 +2677,7 @@
           <a:p>
             <a:fld id="{AF826B45-E5D7-4A7F-8B9E-415F7289FFB0}" type="datetimeFigureOut">
               <a:rPr lang="hu-HU" smtClean="0"/>
-              <a:t>2023. 12. 16.</a:t>
+              <a:t>2023. 12. 17.</a:t>
             </a:fld>
             <a:endParaRPr lang="hu-HU"/>
           </a:p>
@@ -2918,7 +2918,7 @@
           <a:p>
             <a:fld id="{AF826B45-E5D7-4A7F-8B9E-415F7289FFB0}" type="datetimeFigureOut">
               <a:rPr lang="hu-HU" smtClean="0"/>
-              <a:t>2023. 12. 16.</a:t>
+              <a:t>2023. 12. 17.</a:t>
             </a:fld>
             <a:endParaRPr lang="hu-HU"/>
           </a:p>
@@ -5232,6 +5232,30 @@
           </a:bodyPr>
           <a:lstStyle/>
           <a:p>
+            <a:r>
+              <a:rPr lang="hu-HU" sz="2200" dirty="0"/>
+              <a:t>Madarak megfigyelése költséges</a:t>
+            </a:r>
+          </a:p>
+          <a:p>
+            <a:r>
+              <a:rPr lang="hu-HU" sz="2200" dirty="0"/>
+              <a:t>Akusztikus megfigyelés</a:t>
+            </a:r>
+          </a:p>
+          <a:p>
+            <a:r>
+              <a:rPr lang="hu-HU" sz="2200" dirty="0"/>
+              <a:t>Madarak felismerése hang alapján</a:t>
+            </a:r>
+          </a:p>
+          <a:p>
+            <a:r>
+              <a:rPr lang="hu-HU" sz="2200" dirty="0"/>
+              <a:t>Helyreállítási projektek sikerességének vizsgálata</a:t>
+            </a:r>
+          </a:p>
+          <a:p>
             <a:endParaRPr lang="en-US" sz="2200" dirty="0"/>
           </a:p>
         </p:txBody>
@@ -5345,7 +5369,7 @@
           <a:bodyPr/>
           <a:lstStyle/>
           <a:p>
-            <a:endParaRPr lang="hu-HU"/>
+            <a:endParaRPr lang="hu-HU" dirty="0"/>
           </a:p>
         </p:txBody>
       </p:sp>
@@ -5458,7 +5482,90 @@
           <a:bodyPr/>
           <a:lstStyle/>
           <a:p>
-            <a:endParaRPr lang="hu-HU"/>
+            <a:r>
+              <a:rPr lang="hu-HU" dirty="0"/>
+              <a:t>Docker 1 - </a:t>
+            </a:r>
+            <a:r>
+              <a:rPr lang="hu-HU" dirty="0" err="1"/>
+              <a:t>BirdCLEF</a:t>
+            </a:r>
+            <a:endParaRPr lang="hu-HU" dirty="0"/>
+          </a:p>
+          <a:p>
+            <a:pPr lvl="1"/>
+            <a:r>
+              <a:rPr lang="hu-HU" dirty="0"/>
+              <a:t>Adatfeldolgozás</a:t>
+            </a:r>
+          </a:p>
+          <a:p>
+            <a:pPr lvl="1"/>
+            <a:r>
+              <a:rPr lang="hu-HU" dirty="0" err="1"/>
+              <a:t>Baseline</a:t>
+            </a:r>
+            <a:r>
+              <a:rPr lang="hu-HU" dirty="0"/>
+              <a:t> </a:t>
+            </a:r>
+            <a:r>
+              <a:rPr lang="hu-HU" dirty="0" err="1"/>
+              <a:t>model</a:t>
+            </a:r>
+            <a:endParaRPr lang="hu-HU" dirty="0"/>
+          </a:p>
+          <a:p>
+            <a:pPr lvl="1"/>
+            <a:r>
+              <a:rPr lang="hu-HU" dirty="0"/>
+              <a:t>LSTM </a:t>
+            </a:r>
+            <a:r>
+              <a:rPr lang="hu-HU" dirty="0" err="1"/>
+              <a:t>model</a:t>
+            </a:r>
+            <a:endParaRPr lang="hu-HU" dirty="0"/>
+          </a:p>
+          <a:p>
+            <a:pPr lvl="1"/>
+            <a:r>
+              <a:rPr lang="hu-HU" dirty="0" err="1"/>
+              <a:t>Hugging</a:t>
+            </a:r>
+            <a:r>
+              <a:rPr lang="hu-HU" dirty="0"/>
+              <a:t> </a:t>
+            </a:r>
+            <a:r>
+              <a:rPr lang="hu-HU" dirty="0" err="1"/>
+              <a:t>model</a:t>
+            </a:r>
+            <a:endParaRPr lang="hu-HU" dirty="0"/>
+          </a:p>
+          <a:p>
+            <a:pPr lvl="1"/>
+            <a:r>
+              <a:rPr lang="hu-HU" dirty="0"/>
+              <a:t>Tanítás, kiértékelés</a:t>
+            </a:r>
+          </a:p>
+          <a:p>
+            <a:r>
+              <a:rPr lang="hu-HU" dirty="0"/>
+              <a:t>Docker 2 - DEMO</a:t>
+            </a:r>
+          </a:p>
+          <a:p>
+            <a:pPr lvl="1"/>
+            <a:r>
+              <a:rPr lang="hu-HU" dirty="0" err="1"/>
+              <a:t>Demo</a:t>
+            </a:r>
+            <a:r>
+              <a:rPr lang="hu-HU" dirty="0"/>
+              <a:t> alkalmazás</a:t>
+            </a:r>
           </a:p>
         </p:txBody>
       </p:sp>
@@ -5571,10 +5678,108 @@
           <a:bodyPr/>
           <a:lstStyle/>
           <a:p>
-            <a:endParaRPr lang="hu-HU"/>
-          </a:p>
-        </p:txBody>
-      </p:sp>
+            <a:r>
+              <a:rPr lang="hu-HU" dirty="0"/>
+              <a:t>16954 hangfájl</a:t>
+            </a:r>
+          </a:p>
+          <a:p>
+            <a:r>
+              <a:rPr lang="hu-HU" dirty="0"/>
+              <a:t>5.29 GB adat</a:t>
+            </a:r>
+          </a:p>
+          <a:p>
+            <a:r>
+              <a:rPr lang="hu-HU" dirty="0">
+                <a:solidFill>
+                  <a:srgbClr val="FF0000"/>
+                </a:solidFill>
+              </a:rPr>
+              <a:t>2… </a:t>
+            </a:r>
+            <a:r>
+              <a:rPr lang="hu-HU" dirty="0"/>
+              <a:t>osztály</a:t>
+            </a:r>
+          </a:p>
+          <a:p>
+            <a:endParaRPr lang="hu-HU" dirty="0"/>
+          </a:p>
+        </p:txBody>
+      </p:sp>
+      <p:pic>
+        <p:nvPicPr>
+          <p:cNvPr id="6" name="Kép 5" descr="A képen szöveg, képernyőkép, diagram, Diagram látható&#10;&#10;Automatikusan generált leírás">
+            <a:extLst>
+              <a:ext uri="{FF2B5EF4-FFF2-40B4-BE49-F238E27FC236}">
+                <a16:creationId xmlns:a16="http://schemas.microsoft.com/office/drawing/2014/main" id="{92CECB22-22D4-B984-6707-570FEF950E99}"/>
+              </a:ext>
+            </a:extLst>
+          </p:cNvPr>
+          <p:cNvPicPr>
+            <a:picLocks noChangeAspect="1"/>
+          </p:cNvPicPr>
+          <p:nvPr/>
+        </p:nvPicPr>
+        <p:blipFill>
+          <a:blip r:embed="rId3">
+            <a:extLst>
+              <a:ext uri="{28A0092B-C50C-407E-A947-70E740481C1C}">
+                <a14:useLocalDpi xmlns:a14="http://schemas.microsoft.com/office/drawing/2010/main" val="0"/>
+              </a:ext>
+            </a:extLst>
+          </a:blip>
+          <a:stretch>
+            <a:fillRect/>
+          </a:stretch>
+        </p:blipFill>
+        <p:spPr>
+          <a:xfrm>
+            <a:off x="6384491" y="385625"/>
+            <a:ext cx="3840000" cy="2880000"/>
+          </a:xfrm>
+          <a:prstGeom prst="rect">
+            <a:avLst/>
+          </a:prstGeom>
+        </p:spPr>
+      </p:pic>
+      <p:pic>
+        <p:nvPicPr>
+          <p:cNvPr id="8" name="Kép 7" descr="A képen szöveg, képernyőkép, diagram, Diagram látható&#10;&#10;Automatikusan generált leírás">
+            <a:extLst>
+              <a:ext uri="{FF2B5EF4-FFF2-40B4-BE49-F238E27FC236}">
+                <a16:creationId xmlns:a16="http://schemas.microsoft.com/office/drawing/2014/main" id="{954DBEA4-9A05-7A20-B15E-E278400A97A5}"/>
+              </a:ext>
+            </a:extLst>
+          </p:cNvPr>
+          <p:cNvPicPr>
+            <a:picLocks noChangeAspect="1"/>
+          </p:cNvPicPr>
+          <p:nvPr/>
+        </p:nvPicPr>
+        <p:blipFill>
+          <a:blip r:embed="rId4">
+            <a:extLst>
+              <a:ext uri="{28A0092B-C50C-407E-A947-70E740481C1C}">
+                <a14:useLocalDpi xmlns:a14="http://schemas.microsoft.com/office/drawing/2010/main" val="0"/>
+              </a:ext>
+            </a:extLst>
+          </a:blip>
+          <a:stretch>
+            <a:fillRect/>
+          </a:stretch>
+        </p:blipFill>
+        <p:spPr>
+          <a:xfrm>
+            <a:off x="6384491" y="3368138"/>
+            <a:ext cx="3840000" cy="2880000"/>
+          </a:xfrm>
+          <a:prstGeom prst="rect">
+            <a:avLst/>
+          </a:prstGeom>
+        </p:spPr>
+      </p:pic>
     </p:spTree>
     <p:extLst>
       <p:ext uri="{BB962C8B-B14F-4D97-AF65-F5344CB8AC3E}">
@@ -5684,7 +5889,7 @@
           <a:bodyPr/>
           <a:lstStyle/>
           <a:p>
-            <a:endParaRPr lang="hu-HU"/>
+            <a:endParaRPr lang="hu-HU" dirty="0"/>
           </a:p>
         </p:txBody>
       </p:sp>
@@ -5910,10 +6115,65 @@
           <a:bodyPr/>
           <a:lstStyle/>
           <a:p>
-            <a:endParaRPr lang="hu-HU"/>
-          </a:p>
-        </p:txBody>
-      </p:sp>
+            <a:r>
+              <a:rPr lang="hu-HU" dirty="0" err="1"/>
+              <a:t>Gradio</a:t>
+            </a:r>
+            <a:r>
+              <a:rPr lang="hu-HU" dirty="0"/>
+              <a:t> csomag</a:t>
+            </a:r>
+          </a:p>
+          <a:p>
+            <a:r>
+              <a:rPr lang="hu-HU" dirty="0"/>
+              <a:t>Interaktív felület</a:t>
+            </a:r>
+          </a:p>
+          <a:p>
+            <a:pPr marL="0" indent="0">
+              <a:buNone/>
+            </a:pPr>
+            <a:endParaRPr lang="hu-HU" dirty="0"/>
+          </a:p>
+        </p:txBody>
+      </p:sp>
+      <p:pic>
+        <p:nvPicPr>
+          <p:cNvPr id="12" name="Kép 11" descr="A képen szöveg, Téglalap, képernyőkép, tervezés látható&#10;&#10;Automatikusan generált leírás">
+            <a:extLst>
+              <a:ext uri="{FF2B5EF4-FFF2-40B4-BE49-F238E27FC236}">
+                <a16:creationId xmlns:a16="http://schemas.microsoft.com/office/drawing/2014/main" id="{54C68C30-B833-1360-FB97-C17C96EDB261}"/>
+              </a:ext>
+            </a:extLst>
+          </p:cNvPr>
+          <p:cNvPicPr>
+            <a:picLocks noChangeAspect="1"/>
+          </p:cNvPicPr>
+          <p:nvPr/>
+        </p:nvPicPr>
+        <p:blipFill>
+          <a:blip r:embed="rId3">
+            <a:extLst>
+              <a:ext uri="{28A0092B-C50C-407E-A947-70E740481C1C}">
+                <a14:useLocalDpi xmlns:a14="http://schemas.microsoft.com/office/drawing/2010/main" val="0"/>
+              </a:ext>
+            </a:extLst>
+          </a:blip>
+          <a:stretch>
+            <a:fillRect/>
+          </a:stretch>
+        </p:blipFill>
+        <p:spPr>
+          <a:xfrm>
+            <a:off x="1355748" y="3136892"/>
+            <a:ext cx="9480504" cy="2175078"/>
+          </a:xfrm>
+          <a:prstGeom prst="rect">
+            <a:avLst/>
+          </a:prstGeom>
+        </p:spPr>
+      </p:pic>
     </p:spTree>
     <p:extLst>
       <p:ext uri="{BB962C8B-B14F-4D97-AF65-F5344CB8AC3E}">
@@ -6023,7 +6283,49 @@
           <a:bodyPr/>
           <a:lstStyle/>
           <a:p>
-            <a:endParaRPr lang="hu-HU"/>
+            <a:r>
+              <a:rPr lang="hu-HU" dirty="0"/>
+              <a:t>Működő </a:t>
+            </a:r>
+            <a:r>
+              <a:rPr lang="hu-HU" dirty="0" err="1"/>
+              <a:t>pipeline</a:t>
+            </a:r>
+            <a:endParaRPr lang="hu-HU" dirty="0"/>
+          </a:p>
+          <a:p>
+            <a:r>
+              <a:rPr lang="hu-HU" dirty="0"/>
+              <a:t>Cserélhető elemek</a:t>
+            </a:r>
+          </a:p>
+          <a:p>
+            <a:r>
+              <a:rPr lang="hu-HU" dirty="0"/>
+              <a:t>Tetszőleges modell</a:t>
+            </a:r>
+          </a:p>
+          <a:p>
+            <a:r>
+              <a:rPr lang="hu-HU" dirty="0"/>
+              <a:t>Jól strukturált architektúra</a:t>
+            </a:r>
+          </a:p>
+          <a:p>
+            <a:r>
+              <a:rPr lang="hu-HU" dirty="0"/>
+              <a:t>Továbbfejleszthető</a:t>
+            </a:r>
+          </a:p>
+          <a:p>
+            <a:r>
+              <a:rPr lang="hu-HU"/>
+              <a:t>Szerény eredmények</a:t>
+            </a:r>
+            <a:endParaRPr lang="hu-HU" dirty="0"/>
+          </a:p>
+          <a:p>
+            <a:endParaRPr lang="hu-HU" dirty="0"/>
           </a:p>
         </p:txBody>
       </p:sp>

--- a/mélyrepülés.pptx
+++ b/mélyrepülés.pptx
@@ -3351,7 +3351,7 @@
                 <a16:creationId xmlns:a16="http://schemas.microsoft.com/office/drawing/2014/main" id="{9B7AD9F6-8CE7-4299-8FC6-328F4DCD3FF9}"/>
               </a:ext>
               <a:ext uri="{C183D7F6-B498-43B3-948B-1728B52AA6E4}">
-                <adec:decorative xmlns:adec="http://schemas.microsoft.com/office/drawing/2017/decorative" val="1"/>
+                <adec:decorative xmlns:adec="http://schemas.microsoft.com/office/drawing/2017/decorative" xmlns="" val="1"/>
               </a:ext>
             </a:extLst>
           </p:cNvPr>
@@ -3505,7 +3505,7 @@
                 <a16:creationId xmlns:a16="http://schemas.microsoft.com/office/drawing/2014/main" id="{F49775AF-8896-43EE-92C6-83497D6DC56F}"/>
               </a:ext>
               <a:ext uri="{C183D7F6-B498-43B3-948B-1728B52AA6E4}">
-                <adec:decorative xmlns:adec="http://schemas.microsoft.com/office/drawing/2017/decorative" val="1"/>
+                <adec:decorative xmlns:adec="http://schemas.microsoft.com/office/drawing/2017/decorative" xmlns="" val="1"/>
               </a:ext>
             </a:extLst>
           </p:cNvPr>
@@ -3743,7 +3743,7 @@
             <a:round/>
             <a:extLst>
               <a:ext uri="{C807C97D-BFC1-408E-A445-0C87EB9F89A2}">
-                <ask:lineSketchStyleProps xmlns:ask="http://schemas.microsoft.com/office/drawing/2018/sketchyshapes" sd="2863741219">
+                <ask:lineSketchStyleProps xmlns:ask="http://schemas.microsoft.com/office/drawing/2018/sketchyshapes" xmlns="" sd="2863741219">
                   <a:prstGeom prst="rect">
                     <a:avLst/>
                   </a:prstGeom>
@@ -4173,7 +4173,7 @@
                 <a16:creationId xmlns:a16="http://schemas.microsoft.com/office/drawing/2014/main" id="{347D6575-0B06-40B2-9D0F-298202F6BCAC}"/>
               </a:ext>
               <a:ext uri="{C183D7F6-B498-43B3-948B-1728B52AA6E4}">
-                <adec:decorative xmlns:adec="http://schemas.microsoft.com/office/drawing/2017/decorative" val="1"/>
+                <adec:decorative xmlns:adec="http://schemas.microsoft.com/office/drawing/2017/decorative" xmlns="" val="1"/>
               </a:ext>
             </a:extLst>
           </p:cNvPr>
@@ -4240,7 +4240,7 @@
                 <a16:creationId xmlns:a16="http://schemas.microsoft.com/office/drawing/2014/main" id="{E2B33195-5BCA-4BB7-A82D-6739522687DD}"/>
               </a:ext>
               <a:ext uri="{C183D7F6-B498-43B3-948B-1728B52AA6E4}">
-                <adec:decorative xmlns:adec="http://schemas.microsoft.com/office/drawing/2017/decorative" val="1"/>
+                <adec:decorative xmlns:adec="http://schemas.microsoft.com/office/drawing/2017/decorative" xmlns="" val="1"/>
               </a:ext>
             </a:extLst>
           </p:cNvPr>
@@ -4397,7 +4397,7 @@
                 <a16:creationId xmlns:a16="http://schemas.microsoft.com/office/drawing/2014/main" id="{CF8AD9F3-9AF6-494F-83A3-2F677563935C}"/>
               </a:ext>
               <a:ext uri="{C183D7F6-B498-43B3-948B-1728B52AA6E4}">
-                <adec:decorative xmlns:adec="http://schemas.microsoft.com/office/drawing/2017/decorative" val="1"/>
+                <adec:decorative xmlns:adec="http://schemas.microsoft.com/office/drawing/2017/decorative" xmlns="" val="1"/>
               </a:ext>
             </a:extLst>
           </p:cNvPr>
@@ -4556,7 +4556,7 @@
                 <a16:creationId xmlns:a16="http://schemas.microsoft.com/office/drawing/2014/main" id="{0DA5DB8B-7E5C-4ABC-8069-A9A8806F3976}"/>
               </a:ext>
               <a:ext uri="{C183D7F6-B498-43B3-948B-1728B52AA6E4}">
-                <adec:decorative xmlns:adec="http://schemas.microsoft.com/office/drawing/2017/decorative" val="1"/>
+                <adec:decorative xmlns:adec="http://schemas.microsoft.com/office/drawing/2017/decorative" xmlns="" val="1"/>
               </a:ext>
             </a:extLst>
           </p:cNvPr>
@@ -4687,7 +4687,7 @@
                 <a16:creationId xmlns:a16="http://schemas.microsoft.com/office/drawing/2014/main" id="{F13C74B1-5B17-4795-BED0-7140497B445A}"/>
               </a:ext>
               <a:ext uri="{C183D7F6-B498-43B3-948B-1728B52AA6E4}">
-                <adec:decorative xmlns:adec="http://schemas.microsoft.com/office/drawing/2017/decorative" val="1"/>
+                <adec:decorative xmlns:adec="http://schemas.microsoft.com/office/drawing/2017/decorative" xmlns="" val="1"/>
               </a:ext>
             </a:extLst>
           </p:cNvPr>
@@ -4768,7 +4768,7 @@
           <a:lstStyle/>
           <a:p>
             <a:r>
-              <a:rPr lang="hu-HU" sz="5400"/>
+              <a:rPr lang="hu-HU" sz="5400" dirty="0"/>
               <a:t>Bemutatkozás, cél, motiváció</a:t>
             </a:r>
           </a:p>
@@ -4782,7 +4782,7 @@
                 <a16:creationId xmlns:a16="http://schemas.microsoft.com/office/drawing/2014/main" id="{D4974D33-8DC5-464E-8C6D-BE58F0669C17}"/>
               </a:ext>
               <a:ext uri="{C183D7F6-B498-43B3-948B-1728B52AA6E4}">
-                <adec:decorative xmlns:adec="http://schemas.microsoft.com/office/drawing/2017/decorative" val="1"/>
+                <adec:decorative xmlns:adec="http://schemas.microsoft.com/office/drawing/2017/decorative" xmlns="" val="1"/>
               </a:ext>
             </a:extLst>
           </p:cNvPr>
@@ -5020,7 +5020,7 @@
             <a:round/>
             <a:extLst>
               <a:ext uri="{C807C97D-BFC1-408E-A445-0C87EB9F89A2}">
-                <ask:lineSketchStyleProps xmlns:ask="http://schemas.microsoft.com/office/drawing/2018/sketchyshapes" sd="2863741219">
+                <ask:lineSketchStyleProps xmlns:ask="http://schemas.microsoft.com/office/drawing/2018/sketchyshapes" xmlns="" sd="2863741219">
                   <a:prstGeom prst="rect">
                     <a:avLst/>
                   </a:prstGeom>
@@ -5369,7 +5369,66 @@
           <a:bodyPr/>
           <a:lstStyle/>
           <a:p>
+            <a:r>
+              <a:rPr lang="hu-HU" dirty="0" smtClean="0"/>
+              <a:t>Versenykiírás</a:t>
+            </a:r>
+          </a:p>
+          <a:p>
+            <a:r>
+              <a:rPr lang="hu-HU" dirty="0" smtClean="0"/>
+              <a:t>1. </a:t>
+            </a:r>
+            <a:r>
+              <a:rPr lang="hu-HU" dirty="0" err="1" smtClean="0"/>
+              <a:t>helyezet</a:t>
+            </a:r>
+            <a:r>
+              <a:rPr lang="hu-HU" dirty="0"/>
+              <a:t>: 76%-</a:t>
+            </a:r>
+            <a:r>
+              <a:rPr lang="hu-HU" dirty="0" err="1"/>
+              <a:t>os</a:t>
+            </a:r>
+            <a:r>
+              <a:rPr lang="hu-HU" dirty="0"/>
+              <a:t> </a:t>
+            </a:r>
+            <a:r>
+              <a:rPr lang="hu-HU" dirty="0" err="1"/>
+              <a:t>accuracy</a:t>
+            </a:r>
             <a:endParaRPr lang="hu-HU" dirty="0"/>
+          </a:p>
+          <a:p>
+            <a:pPr lvl="1"/>
+            <a:r>
+              <a:rPr lang="hu-HU" dirty="0" smtClean="0"/>
+              <a:t>5 másodperces hangrészletek</a:t>
+            </a:r>
+          </a:p>
+          <a:p>
+            <a:pPr lvl="1"/>
+            <a:r>
+              <a:rPr lang="hu-HU" dirty="0" err="1" smtClean="0"/>
+              <a:t>Padded_cmap</a:t>
+            </a:r>
+            <a:endParaRPr lang="hu-HU" dirty="0" smtClean="0"/>
+          </a:p>
+          <a:p>
+            <a:pPr lvl="1"/>
+            <a:r>
+              <a:rPr lang="hu-HU" dirty="0" smtClean="0"/>
+              <a:t>Minta súlyok a kimeneten</a:t>
+            </a:r>
+          </a:p>
+          <a:p>
+            <a:pPr lvl="1"/>
+            <a:r>
+              <a:rPr lang="hu-HU" dirty="0" smtClean="0"/>
+              <a:t>SED architektúra</a:t>
+            </a:r>
           </a:p>
         </p:txBody>
       </p:sp>
@@ -5680,23 +5739,44 @@
           <a:p>
             <a:r>
               <a:rPr lang="hu-HU" dirty="0"/>
-              <a:t>16954 hangfájl</a:t>
-            </a:r>
-          </a:p>
-          <a:p>
+              <a:t>16954 </a:t>
+            </a:r>
             <a:r>
               <a:rPr lang="hu-HU" dirty="0"/>
-              <a:t>5.29 GB adat</a:t>
-            </a:r>
-          </a:p>
-          <a:p>
-            <a:r>
-              <a:rPr lang="hu-HU" dirty="0">
-                <a:solidFill>
-                  <a:srgbClr val="FF0000"/>
-                </a:solidFill>
-              </a:rPr>
-              <a:t>2… </a:t>
+              <a:t>hangfájl </a:t>
+            </a:r>
+            <a:endParaRPr lang="hu-HU" dirty="0" smtClean="0"/>
+          </a:p>
+          <a:p>
+            <a:r>
+              <a:rPr lang="hu-HU" dirty="0" smtClean="0"/>
+              <a:t>~83% 1 perc vagy rövidebb</a:t>
+            </a:r>
+            <a:endParaRPr lang="hu-HU" dirty="0"/>
+          </a:p>
+          <a:p>
+            <a:r>
+              <a:rPr lang="hu-HU" dirty="0" smtClean="0"/>
+              <a:t>5.29 </a:t>
+            </a:r>
+            <a:r>
+              <a:rPr lang="hu-HU" dirty="0"/>
+              <a:t>GB </a:t>
+            </a:r>
+            <a:r>
+              <a:rPr lang="hu-HU" dirty="0" smtClean="0"/>
+              <a:t>adat</a:t>
+            </a:r>
+            <a:endParaRPr lang="hu-HU" dirty="0"/>
+          </a:p>
+          <a:p>
+            <a:r>
+              <a:rPr lang="hu-HU" dirty="0" smtClean="0"/>
+              <a:t>264</a:t>
+            </a:r>
+            <a:r>
+              <a:rPr lang="hu-HU" dirty="0" smtClean="0"/>
+              <a:t> </a:t>
             </a:r>
             <a:r>
               <a:rPr lang="hu-HU" dirty="0"/>
@@ -5736,7 +5816,7 @@
         </p:blipFill>
         <p:spPr>
           <a:xfrm>
-            <a:off x="6384491" y="385625"/>
+            <a:off x="6683748" y="385625"/>
             <a:ext cx="3840000" cy="2880000"/>
           </a:xfrm>
           <a:prstGeom prst="rect">
@@ -5772,7 +5852,7 @@
         </p:blipFill>
         <p:spPr>
           <a:xfrm>
-            <a:off x="6384491" y="3368138"/>
+            <a:off x="6683748" y="3368138"/>
             <a:ext cx="3840000" cy="2880000"/>
           </a:xfrm>
           <a:prstGeom prst="rect">
@@ -5863,8 +5943,13 @@
           <a:p>
             <a:r>
               <a:rPr lang="hu-HU" dirty="0"/>
-              <a:t>Tanítás és kiértékelés</a:t>
-            </a:r>
+              <a:t>Tanítás és </a:t>
+            </a:r>
+            <a:r>
+              <a:rPr lang="hu-HU" dirty="0" smtClean="0"/>
+              <a:t>kiértékelés</a:t>
+            </a:r>
+            <a:endParaRPr lang="hu-HU" dirty="0"/>
           </a:p>
         </p:txBody>
       </p:sp>
@@ -5889,7 +5974,73 @@
           <a:bodyPr/>
           <a:lstStyle/>
           <a:p>
+            <a:r>
+              <a:rPr lang="hu-HU" dirty="0"/>
+              <a:t>5 másodperces hangrészletek</a:t>
+            </a:r>
+            <a:endParaRPr lang="hu-HU" dirty="0" smtClean="0"/>
+          </a:p>
+          <a:p>
+            <a:r>
+              <a:rPr lang="hu-HU" dirty="0" smtClean="0"/>
+              <a:t>~30 óra egy ciklus</a:t>
+            </a:r>
+          </a:p>
+          <a:p>
+            <a:r>
+              <a:rPr lang="hu-HU" dirty="0" err="1" smtClean="0"/>
+              <a:t>Accuracy</a:t>
+            </a:r>
+            <a:endParaRPr lang="hu-HU" dirty="0" smtClean="0"/>
+          </a:p>
+          <a:p>
+            <a:r>
+              <a:rPr lang="hu-HU" dirty="0" err="1"/>
+              <a:t>Precision</a:t>
+            </a:r>
             <a:endParaRPr lang="hu-HU" dirty="0"/>
+          </a:p>
+          <a:p>
+            <a:r>
+              <a:rPr lang="hu-HU" dirty="0" err="1"/>
+              <a:t>Recall</a:t>
+            </a:r>
+            <a:endParaRPr lang="hu-HU" dirty="0"/>
+          </a:p>
+          <a:p>
+            <a:r>
+              <a:rPr lang="hu-HU" dirty="0"/>
+              <a:t>F1</a:t>
+            </a:r>
+          </a:p>
+          <a:p>
+            <a:r>
+              <a:rPr lang="hu-HU" dirty="0" err="1" smtClean="0"/>
+              <a:t>padded_cmap</a:t>
+            </a:r>
+            <a:r>
+              <a:rPr lang="hu-HU" dirty="0" smtClean="0"/>
+              <a:t> (</a:t>
+            </a:r>
+            <a:r>
+              <a:rPr lang="hu-HU" dirty="0" err="1" smtClean="0"/>
+              <a:t>average</a:t>
+            </a:r>
+            <a:r>
+              <a:rPr lang="hu-HU" dirty="0" smtClean="0"/>
+              <a:t> </a:t>
+            </a:r>
+            <a:r>
+              <a:rPr lang="hu-HU" dirty="0" err="1" smtClean="0"/>
+              <a:t>percision</a:t>
+            </a:r>
+            <a:r>
+              <a:rPr lang="hu-HU" dirty="0" smtClean="0"/>
+              <a:t>)</a:t>
+            </a:r>
+          </a:p>
+          <a:p>
+            <a:endParaRPr lang="hu-HU" dirty="0" smtClean="0"/>
           </a:p>
         </p:txBody>
       </p:sp>
@@ -5999,10 +6150,180 @@
         </p:nvSpPr>
         <p:spPr/>
         <p:txBody>
-          <a:bodyPr/>
-          <a:lstStyle/>
-          <a:p>
-            <a:endParaRPr lang="hu-HU"/>
+          <a:bodyPr>
+            <a:normAutofit lnSpcReduction="10000"/>
+          </a:bodyPr>
+          <a:lstStyle/>
+          <a:p>
+            <a:r>
+              <a:rPr lang="hu-HU" dirty="0" smtClean="0"/>
+              <a:t>Véletlen tippeléssel elérhető:</a:t>
+            </a:r>
+          </a:p>
+          <a:p>
+            <a:pPr lvl="1"/>
+            <a:r>
+              <a:rPr lang="hu-HU" dirty="0" smtClean="0"/>
+              <a:t>1.12%-</a:t>
+            </a:r>
+            <a:r>
+              <a:rPr lang="hu-HU" dirty="0" err="1"/>
+              <a:t>os</a:t>
+            </a:r>
+            <a:r>
+              <a:rPr lang="hu-HU" dirty="0"/>
+              <a:t> </a:t>
+            </a:r>
+            <a:r>
+              <a:rPr lang="hu-HU" dirty="0" err="1"/>
+              <a:t>accuracy</a:t>
+            </a:r>
+            <a:r>
+              <a:rPr lang="hu-HU" dirty="0"/>
+              <a:t> </a:t>
+            </a:r>
+            <a:r>
+              <a:rPr lang="hu-HU" dirty="0" err="1" smtClean="0"/>
+              <a:t>score</a:t>
+            </a:r>
+            <a:endParaRPr lang="hu-HU" dirty="0" smtClean="0"/>
+          </a:p>
+          <a:p>
+            <a:r>
+              <a:rPr lang="hu-HU" dirty="0" err="1" smtClean="0"/>
+              <a:t>Baseline</a:t>
+            </a:r>
+            <a:r>
+              <a:rPr lang="hu-HU" dirty="0" smtClean="0"/>
+              <a:t> modell:</a:t>
+            </a:r>
+          </a:p>
+          <a:p>
+            <a:pPr lvl="1"/>
+            <a:r>
+              <a:rPr lang="hu-HU" dirty="0" smtClean="0"/>
+              <a:t>1 </a:t>
+            </a:r>
+            <a:r>
+              <a:rPr lang="hu-HU" dirty="0" err="1" smtClean="0"/>
+              <a:t>epoch</a:t>
+            </a:r>
+            <a:endParaRPr lang="hu-HU" dirty="0" smtClean="0"/>
+          </a:p>
+          <a:p>
+            <a:pPr lvl="1"/>
+            <a:r>
+              <a:rPr lang="hu-HU" dirty="0" smtClean="0"/>
+              <a:t>~1.3%-</a:t>
+            </a:r>
+            <a:r>
+              <a:rPr lang="hu-HU" dirty="0" err="1"/>
+              <a:t>os</a:t>
+            </a:r>
+            <a:r>
+              <a:rPr lang="hu-HU" dirty="0"/>
+              <a:t> </a:t>
+            </a:r>
+            <a:r>
+              <a:rPr lang="hu-HU" dirty="0" err="1"/>
+              <a:t>accuracy</a:t>
+            </a:r>
+            <a:r>
+              <a:rPr lang="hu-HU" dirty="0"/>
+              <a:t> </a:t>
+            </a:r>
+            <a:r>
+              <a:rPr lang="hu-HU" dirty="0" err="1" smtClean="0"/>
+              <a:t>score</a:t>
+            </a:r>
+            <a:endParaRPr lang="hu-HU" dirty="0" smtClean="0"/>
+          </a:p>
+          <a:p>
+            <a:r>
+              <a:rPr lang="hu-HU" dirty="0" smtClean="0"/>
+              <a:t>A </a:t>
+            </a:r>
+            <a:r>
+              <a:rPr lang="hu-HU" dirty="0"/>
+              <a:t>t</a:t>
+            </a:r>
+            <a:r>
+              <a:rPr lang="hu-HU" dirty="0" smtClean="0"/>
+              <a:t>anított modell :</a:t>
+            </a:r>
+          </a:p>
+          <a:p>
+            <a:pPr lvl="1"/>
+            <a:r>
+              <a:rPr lang="hu-HU" dirty="0" smtClean="0"/>
+              <a:t>6500 hangfájl – eredeti adathalmaz ~38%-a</a:t>
+            </a:r>
+          </a:p>
+          <a:p>
+            <a:pPr lvl="1"/>
+            <a:r>
+              <a:rPr lang="hu-HU" dirty="0" smtClean="0"/>
+              <a:t>89</a:t>
+            </a:r>
+            <a:r>
+              <a:rPr lang="hu-HU" dirty="0" smtClean="0">
+                <a:solidFill>
+                  <a:srgbClr val="FF0000"/>
+                </a:solidFill>
+              </a:rPr>
+              <a:t> </a:t>
+            </a:r>
+            <a:r>
+              <a:rPr lang="hu-HU" dirty="0" smtClean="0"/>
+              <a:t>osztály</a:t>
+            </a:r>
+          </a:p>
+          <a:p>
+            <a:pPr lvl="1"/>
+            <a:r>
+              <a:rPr lang="hu-HU" dirty="0" smtClean="0"/>
+              <a:t>3 </a:t>
+            </a:r>
+            <a:r>
+              <a:rPr lang="hu-HU" dirty="0" err="1" smtClean="0"/>
+              <a:t>epoch</a:t>
+            </a:r>
+            <a:endParaRPr lang="hu-HU" dirty="0" smtClean="0"/>
+          </a:p>
+          <a:p>
+            <a:pPr lvl="1"/>
+            <a:r>
+              <a:rPr lang="hu-HU" dirty="0" smtClean="0"/>
+              <a:t>~22 óra tanítás</a:t>
+            </a:r>
+          </a:p>
+          <a:p>
+            <a:pPr lvl="1"/>
+            <a:r>
+              <a:rPr lang="hu-HU" dirty="0" smtClean="0"/>
+              <a:t>~2.2%-</a:t>
+            </a:r>
+            <a:r>
+              <a:rPr lang="hu-HU" dirty="0" err="1" smtClean="0"/>
+              <a:t>os</a:t>
+            </a:r>
+            <a:r>
+              <a:rPr lang="hu-HU" dirty="0" smtClean="0"/>
+              <a:t> </a:t>
+            </a:r>
+            <a:r>
+              <a:rPr lang="hu-HU" dirty="0" err="1" smtClean="0"/>
+              <a:t>accuracy</a:t>
+            </a:r>
+            <a:r>
+              <a:rPr lang="hu-HU" dirty="0" smtClean="0"/>
+              <a:t> </a:t>
+            </a:r>
+            <a:r>
+              <a:rPr lang="hu-HU" dirty="0" err="1" smtClean="0"/>
+              <a:t>score</a:t>
+            </a:r>
+            <a:endParaRPr lang="hu-HU" dirty="0" smtClean="0"/>
           </a:p>
         </p:txBody>
       </p:sp>
@@ -6140,34 +6461,22 @@
       </p:sp>
       <p:pic>
         <p:nvPicPr>
-          <p:cNvPr id="12" name="Kép 11" descr="A képen szöveg, Téglalap, képernyőkép, tervezés látható&#10;&#10;Automatikusan generált leírás">
-            <a:extLst>
-              <a:ext uri="{FF2B5EF4-FFF2-40B4-BE49-F238E27FC236}">
-                <a16:creationId xmlns:a16="http://schemas.microsoft.com/office/drawing/2014/main" id="{54C68C30-B833-1360-FB97-C17C96EDB261}"/>
-              </a:ext>
-            </a:extLst>
-          </p:cNvPr>
+          <p:cNvPr id="5" name="Kép 4"/>
           <p:cNvPicPr>
             <a:picLocks noChangeAspect="1"/>
           </p:cNvPicPr>
           <p:nvPr/>
         </p:nvPicPr>
         <p:blipFill>
-          <a:blip r:embed="rId3">
-            <a:extLst>
-              <a:ext uri="{28A0092B-C50C-407E-A947-70E740481C1C}">
-                <a14:useLocalDpi xmlns:a14="http://schemas.microsoft.com/office/drawing/2010/main" val="0"/>
-              </a:ext>
-            </a:extLst>
-          </a:blip>
+          <a:blip r:embed="rId3"/>
           <a:stretch>
             <a:fillRect/>
           </a:stretch>
         </p:blipFill>
         <p:spPr>
           <a:xfrm>
-            <a:off x="1355748" y="3136892"/>
-            <a:ext cx="9480504" cy="2175078"/>
+            <a:off x="1328072" y="3158214"/>
+            <a:ext cx="9535856" cy="1686160"/>
           </a:xfrm>
           <a:prstGeom prst="rect">
             <a:avLst/>
@@ -6319,10 +6628,9 @@
           </a:p>
           <a:p>
             <a:r>
-              <a:rPr lang="hu-HU"/>
+              <a:rPr lang="hu-HU" dirty="0"/>
               <a:t>Szerény eredmények</a:t>
             </a:r>
-            <a:endParaRPr lang="hu-HU" dirty="0"/>
           </a:p>
           <a:p>
             <a:endParaRPr lang="hu-HU" dirty="0"/>
